--- a/Project2-v1.01.pptx
+++ b/Project2-v1.01.pptx
@@ -1126,7 +1126,7 @@
           <a:p>
             <a:fld id="{084DFC52-A488-8746-82B6-84083ABA50F0}" type="datetimeFigureOut">
               <a:rPr lang="en-US" smtClean="0"/>
-              <a:t>4/21/2016</a:t>
+              <a:t>4/22/2016</a:t>
             </a:fld>
             <a:endParaRPr lang="en-US"/>
           </a:p>
@@ -1157,7 +1157,7 @@
       </p:sp>
       <p:sp>
         <p:nvSpPr>
-          <p:cNvPr id="10" name="Footer Placeholder 9"/>
+          <p:cNvPr id="8" name="Footer Placeholder 7"/>
           <p:cNvSpPr>
             <a:spLocks noGrp="1"/>
           </p:cNvSpPr>
@@ -1305,7 +1305,7 @@
           <a:p>
             <a:fld id="{084DFC52-A488-8746-82B6-84083ABA50F0}" type="datetimeFigureOut">
               <a:rPr lang="en-US" smtClean="0"/>
-              <a:t>4/21/2016</a:t>
+              <a:t>4/22/2016</a:t>
             </a:fld>
             <a:endParaRPr lang="en-US"/>
           </a:p>
@@ -1493,7 +1493,7 @@
           <a:p>
             <a:fld id="{084DFC52-A488-8746-82B6-84083ABA50F0}" type="datetimeFigureOut">
               <a:rPr lang="en-US" smtClean="0"/>
-              <a:t>4/21/2016</a:t>
+              <a:t>4/22/2016</a:t>
             </a:fld>
             <a:endParaRPr lang="en-US"/>
           </a:p>
@@ -1671,7 +1671,7 @@
           <a:p>
             <a:fld id="{084DFC52-A488-8746-82B6-84083ABA50F0}" type="datetimeFigureOut">
               <a:rPr lang="en-US" smtClean="0"/>
-              <a:t>4/21/2016</a:t>
+              <a:t>4/22/2016</a:t>
             </a:fld>
             <a:endParaRPr lang="en-US"/>
           </a:p>
@@ -1925,7 +1925,7 @@
           <a:p>
             <a:fld id="{084DFC52-A488-8746-82B6-84083ABA50F0}" type="datetimeFigureOut">
               <a:rPr lang="en-US" smtClean="0"/>
-              <a:t>4/21/2016</a:t>
+              <a:t>4/22/2016</a:t>
             </a:fld>
             <a:endParaRPr lang="en-US"/>
           </a:p>
@@ -2165,7 +2165,7 @@
           <a:p>
             <a:fld id="{084DFC52-A488-8746-82B6-84083ABA50F0}" type="datetimeFigureOut">
               <a:rPr lang="en-US" smtClean="0"/>
-              <a:t>4/21/2016</a:t>
+              <a:t>4/22/2016</a:t>
             </a:fld>
             <a:endParaRPr lang="en-US"/>
           </a:p>
@@ -2540,7 +2540,7 @@
           <a:p>
             <a:fld id="{084DFC52-A488-8746-82B6-84083ABA50F0}" type="datetimeFigureOut">
               <a:rPr lang="en-US" smtClean="0"/>
-              <a:t>4/21/2016</a:t>
+              <a:t>4/22/2016</a:t>
             </a:fld>
             <a:endParaRPr lang="en-US"/>
           </a:p>
@@ -2666,7 +2666,7 @@
           <a:p>
             <a:fld id="{084DFC52-A488-8746-82B6-84083ABA50F0}" type="datetimeFigureOut">
               <a:rPr lang="en-US" smtClean="0"/>
-              <a:t>4/21/2016</a:t>
+              <a:t>4/22/2016</a:t>
             </a:fld>
             <a:endParaRPr lang="en-US"/>
           </a:p>
@@ -2769,7 +2769,7 @@
           <a:p>
             <a:fld id="{084DFC52-A488-8746-82B6-84083ABA50F0}" type="datetimeFigureOut">
               <a:rPr lang="en-US" smtClean="0"/>
-              <a:t>4/21/2016</a:t>
+              <a:t>4/22/2016</a:t>
             </a:fld>
             <a:endParaRPr lang="en-US"/>
           </a:p>
@@ -3054,7 +3054,7 @@
           <a:p>
             <a:fld id="{084DFC52-A488-8746-82B6-84083ABA50F0}" type="datetimeFigureOut">
               <a:rPr lang="en-US" smtClean="0"/>
-              <a:t>4/21/2016</a:t>
+              <a:t>4/22/2016</a:t>
             </a:fld>
             <a:endParaRPr lang="en-US"/>
           </a:p>
@@ -3315,7 +3315,7 @@
           <a:p>
             <a:fld id="{084DFC52-A488-8746-82B6-84083ABA50F0}" type="datetimeFigureOut">
               <a:rPr lang="en-US" smtClean="0"/>
-              <a:t>4/21/2016</a:t>
+              <a:t>4/22/2016</a:t>
             </a:fld>
             <a:endParaRPr lang="en-US"/>
           </a:p>
@@ -3536,7 +3536,7 @@
           <a:p>
             <a:fld id="{084DFC52-A488-8746-82B6-84083ABA50F0}" type="datetimeFigureOut">
               <a:rPr lang="en-US" smtClean="0"/>
-              <a:t>4/21/2016</a:t>
+              <a:t>4/22/2016</a:t>
             </a:fld>
             <a:endParaRPr lang="en-US"/>
           </a:p>
@@ -3585,7 +3585,7 @@
       </p:sp>
       <p:sp>
         <p:nvSpPr>
-          <p:cNvPr id="10" name="Footer Placeholder 9"/>
+          <p:cNvPr id="8" name="Footer Placeholder 7"/>
           <p:cNvSpPr>
             <a:spLocks noGrp="1"/>
           </p:cNvSpPr>
@@ -4239,13 +4239,7 @@
               <a:rPr lang="en-US" dirty="0" smtClean="0">
                 <a:sym typeface="Wingdings"/>
               </a:rPr>
-              <a:t>Final model = </a:t>
-            </a:r>
-            <a:r>
-              <a:rPr lang="en-US" dirty="0" smtClean="0">
-                <a:sym typeface="Wingdings"/>
-              </a:rPr>
-              <a:t>f(logistic, random forest, </a:t>
+              <a:t>Final model = f(logistic, random forest, </a:t>
             </a:r>
             <a:r>
               <a:rPr lang="en-US" dirty="0" err="1" smtClean="0">
@@ -4257,13 +4251,7 @@
               <a:rPr lang="en-US" dirty="0" smtClean="0">
                 <a:sym typeface="Wingdings"/>
               </a:rPr>
-              <a:t>, SVM</a:t>
-            </a:r>
-            <a:r>
-              <a:rPr lang="en-US" dirty="0" smtClean="0">
-                <a:sym typeface="Wingdings"/>
-              </a:rPr>
-              <a:t>)</a:t>
+              <a:t>, SVM)</a:t>
             </a:r>
           </a:p>
           <a:p>
@@ -5194,7 +5182,23 @@
           <a:p>
             <a:r>
               <a:rPr lang="en-US" dirty="0" smtClean="0"/>
-              <a:t>Assumption: goal to book 20000 accts; phone call cost is $3 per call.</a:t>
+              <a:t>Assumption: </a:t>
+            </a:r>
+            <a:r>
+              <a:rPr lang="en-US" dirty="0" smtClean="0"/>
+              <a:t>limited budget; </a:t>
+            </a:r>
+            <a:r>
+              <a:rPr lang="en-US" dirty="0" smtClean="0"/>
+              <a:t>phone call cost is </a:t>
+            </a:r>
+            <a:r>
+              <a:rPr lang="en-US" dirty="0" smtClean="0"/>
+              <a:t>€3 </a:t>
+            </a:r>
+            <a:r>
+              <a:rPr lang="en-US" dirty="0" smtClean="0"/>
+              <a:t>per call.</a:t>
             </a:r>
           </a:p>
         </p:txBody>
@@ -5208,7 +5212,7 @@
         <p:spPr>
           <a:xfrm>
             <a:off x="7388789" y="3918531"/>
-            <a:ext cx="3065263" cy="707886"/>
+            <a:ext cx="3180358" cy="707886"/>
           </a:xfrm>
           <a:prstGeom prst="rect">
             <a:avLst/>
@@ -5242,7 +5246,23 @@
                   <a:srgbClr val="00B050"/>
                 </a:solidFill>
               </a:rPr>
-              <a:t>$1.6 MM</a:t>
+              <a:t>€</a:t>
+            </a:r>
+            <a:r>
+              <a:rPr lang="en-US" sz="4000" b="1" dirty="0" smtClean="0">
+                <a:solidFill>
+                  <a:srgbClr val="00B050"/>
+                </a:solidFill>
+              </a:rPr>
+              <a:t>1.6 </a:t>
+            </a:r>
+            <a:r>
+              <a:rPr lang="en-US" sz="4000" b="1" dirty="0" smtClean="0">
+                <a:solidFill>
+                  <a:srgbClr val="00B050"/>
+                </a:solidFill>
+              </a:rPr>
+              <a:t>MM</a:t>
             </a:r>
             <a:endParaRPr lang="en-US" sz="4000" b="1" dirty="0">
               <a:solidFill>
@@ -5486,22 +5506,34 @@
             <a:pPr lvl="1"/>
             <a:r>
               <a:rPr lang="en-US" dirty="0" smtClean="0"/>
-              <a:t>Increase response by </a:t>
-            </a:r>
+              <a:t>Increase response by 900% (assuming bank is now doing 50% random selection and call)</a:t>
+            </a:r>
+          </a:p>
+          <a:p>
+            <a:pPr lvl="1"/>
             <a:r>
               <a:rPr lang="en-US" dirty="0" smtClean="0"/>
-              <a:t>900% </a:t>
+              <a:t>A saving cost of </a:t>
+            </a:r>
+            <a:r>
+              <a:rPr lang="en-US" dirty="0"/>
+              <a:t>€ </a:t>
             </a:r>
             <a:r>
               <a:rPr lang="en-US" dirty="0" smtClean="0"/>
-              <a:t>(assuming bank is now doing 50% random selection and call)</a:t>
-            </a:r>
-          </a:p>
-          <a:p>
-            <a:pPr lvl="1"/>
+              <a:t>(</a:t>
+            </a:r>
+            <a:r>
+              <a:rPr lang="en-US" smtClean="0"/>
+              <a:t>assume </a:t>
+            </a:r>
+            <a:r>
+              <a:rPr lang="en-US" smtClean="0"/>
+              <a:t>€5 </a:t>
+            </a:r>
             <a:r>
               <a:rPr lang="en-US" dirty="0" smtClean="0"/>
-              <a:t>A saving cost of $ (assume $5 per phone call)</a:t>
+              <a:t>per phone call)</a:t>
             </a:r>
             <a:endParaRPr lang="en-US" dirty="0"/>
           </a:p>

--- a/Project2-v1.01.pptx
+++ b/Project2-v1.01.pptx
@@ -1157,7 +1157,7 @@
       </p:sp>
       <p:sp>
         <p:nvSpPr>
-          <p:cNvPr id="8" name="Footer Placeholder 7"/>
+          <p:cNvPr id="15" name="Footer Placeholder 14"/>
           <p:cNvSpPr>
             <a:spLocks noGrp="1"/>
           </p:cNvSpPr>
@@ -3585,7 +3585,7 @@
       </p:sp>
       <p:sp>
         <p:nvSpPr>
-          <p:cNvPr id="8" name="Footer Placeholder 7"/>
+          <p:cNvPr id="15" name="Footer Placeholder 14"/>
           <p:cNvSpPr>
             <a:spLocks noGrp="1"/>
           </p:cNvSpPr>
@@ -4221,13 +4221,20 @@
         </p:nvSpPr>
         <p:spPr/>
         <p:txBody>
-          <a:bodyPr/>
+          <a:bodyPr>
+            <a:normAutofit lnSpcReduction="10000"/>
+          </a:bodyPr>
           <a:lstStyle/>
           <a:p>
             <a:r>
               <a:rPr lang="en-US" dirty="0" smtClean="0"/>
-              <a:t>Ensemble models:</a:t>
-            </a:r>
+              <a:t>Ensemble </a:t>
+            </a:r>
+            <a:r>
+              <a:rPr lang="en-US" dirty="0" smtClean="0"/>
+              <a:t>models</a:t>
+            </a:r>
+            <a:endParaRPr lang="en-US" dirty="0" smtClean="0"/>
           </a:p>
           <a:p>
             <a:endParaRPr lang="en-US" dirty="0">
@@ -4282,13 +4289,35 @@
               <a:rPr lang="en-US" dirty="0" smtClean="0">
                 <a:sym typeface="Wingdings"/>
               </a:rPr>
-              <a:t>better performance than </a:t>
-            </a:r>
-            <a:r>
-              <a:rPr lang="en-US" smtClean="0">
+              <a:t>better performance than single </a:t>
+            </a:r>
+            <a:r>
+              <a:rPr lang="en-US" dirty="0" smtClean="0">
                 <a:sym typeface="Wingdings"/>
               </a:rPr>
-              <a:t>single model</a:t>
+              <a:t>model</a:t>
+            </a:r>
+          </a:p>
+          <a:p>
+            <a:endParaRPr lang="en-US" dirty="0">
+              <a:sym typeface="Wingdings"/>
+            </a:endParaRPr>
+          </a:p>
+          <a:p>
+            <a:r>
+              <a:rPr lang="en-US" dirty="0" smtClean="0">
+                <a:sym typeface="Wingdings"/>
+              </a:rPr>
+              <a:t>Disadvantage:</a:t>
+            </a:r>
+          </a:p>
+          <a:p>
+            <a:pPr lvl="1"/>
+            <a:r>
+              <a:rPr lang="en-US" dirty="0" smtClean="0">
+                <a:sym typeface="Wingdings"/>
+              </a:rPr>
+              <a:t>None</a:t>
             </a:r>
             <a:endParaRPr lang="en-US" dirty="0">
               <a:sym typeface="Wingdings"/>
@@ -5182,23 +5211,7 @@
           <a:p>
             <a:r>
               <a:rPr lang="en-US" dirty="0" smtClean="0"/>
-              <a:t>Assumption: </a:t>
-            </a:r>
-            <a:r>
-              <a:rPr lang="en-US" dirty="0" smtClean="0"/>
-              <a:t>limited budget; </a:t>
-            </a:r>
-            <a:r>
-              <a:rPr lang="en-US" dirty="0" smtClean="0"/>
-              <a:t>phone call cost is </a:t>
-            </a:r>
-            <a:r>
-              <a:rPr lang="en-US" dirty="0" smtClean="0"/>
-              <a:t>€3 </a:t>
-            </a:r>
-            <a:r>
-              <a:rPr lang="en-US" dirty="0" smtClean="0"/>
-              <a:t>per call.</a:t>
+              <a:t>Assumption: limited budget; phone call cost is €3 per call.</a:t>
             </a:r>
           </a:p>
         </p:txBody>
@@ -5246,23 +5259,7 @@
                   <a:srgbClr val="00B050"/>
                 </a:solidFill>
               </a:rPr>
-              <a:t>€</a:t>
-            </a:r>
-            <a:r>
-              <a:rPr lang="en-US" sz="4000" b="1" dirty="0" smtClean="0">
-                <a:solidFill>
-                  <a:srgbClr val="00B050"/>
-                </a:solidFill>
-              </a:rPr>
-              <a:t>1.6 </a:t>
-            </a:r>
-            <a:r>
-              <a:rPr lang="en-US" sz="4000" b="1" dirty="0" smtClean="0">
-                <a:solidFill>
-                  <a:srgbClr val="00B050"/>
-                </a:solidFill>
-              </a:rPr>
-              <a:t>MM</a:t>
+              <a:t>€1.6 MM</a:t>
             </a:r>
             <a:endParaRPr lang="en-US" sz="4000" b="1" dirty="0">
               <a:solidFill>
@@ -5466,12 +5463,80 @@
           <a:lstStyle/>
           <a:p>
             <a:r>
+              <a:rPr lang="en-US" dirty="0"/>
+              <a:t>This way, the bank will </a:t>
+            </a:r>
+          </a:p>
+          <a:p>
+            <a:pPr lvl="1"/>
+            <a:r>
+              <a:rPr lang="en-US" dirty="0"/>
+              <a:t>Increase response by 900% (assuming bank is now doing 50% random selection and call</a:t>
+            </a:r>
+            <a:r>
               <a:rPr lang="en-US" dirty="0" smtClean="0"/>
-              <a:t>We would recommend the bank to do:</a:t>
+              <a:t>)</a:t>
             </a:r>
           </a:p>
           <a:p>
             <a:pPr lvl="1"/>
+            <a:r>
+              <a:rPr lang="en-US" dirty="0" smtClean="0"/>
+              <a:t>Cut cost by &gt; 90%</a:t>
+            </a:r>
+          </a:p>
+          <a:p>
+            <a:pPr lvl="1"/>
+            <a:r>
+              <a:rPr lang="en-US" dirty="0" smtClean="0"/>
+              <a:t>Revenue drop by &lt; 10%</a:t>
+            </a:r>
+            <a:endParaRPr lang="en-US" dirty="0"/>
+          </a:p>
+          <a:p>
+            <a:pPr lvl="1"/>
+            <a:r>
+              <a:rPr lang="en-US" dirty="0"/>
+              <a:t>A saving cost of </a:t>
+            </a:r>
+            <a:r>
+              <a:rPr lang="en-US" dirty="0" smtClean="0"/>
+              <a:t>€13.5 MM </a:t>
+            </a:r>
+            <a:r>
+              <a:rPr lang="en-US" dirty="0"/>
+              <a:t>(assume </a:t>
+            </a:r>
+            <a:r>
+              <a:rPr lang="en-US" dirty="0" smtClean="0"/>
+              <a:t>€3 </a:t>
+            </a:r>
+            <a:r>
+              <a:rPr lang="en-US" dirty="0"/>
+              <a:t>per phone call</a:t>
+            </a:r>
+            <a:r>
+              <a:rPr lang="en-US" dirty="0" smtClean="0"/>
+              <a:t>)</a:t>
+            </a:r>
+            <a:endParaRPr lang="en-US" dirty="0" smtClean="0"/>
+          </a:p>
+          <a:p>
+            <a:endParaRPr lang="en-US" dirty="0"/>
+          </a:p>
+          <a:p>
+            <a:r>
+              <a:rPr lang="en-US" dirty="0" smtClean="0"/>
+              <a:t>We </a:t>
+            </a:r>
+            <a:r>
+              <a:rPr lang="en-US" dirty="0" smtClean="0"/>
+              <a:t>would recommend the bank to do</a:t>
+            </a:r>
+            <a:r>
+              <a:rPr lang="en-US" dirty="0" smtClean="0"/>
+              <a:t>:</a:t>
+            </a:r>
             <a:endParaRPr lang="en-US" dirty="0" smtClean="0"/>
           </a:p>
           <a:p>
@@ -5494,47 +5559,6 @@
           </a:p>
           <a:p>
             <a:pPr lvl="1"/>
-            <a:endParaRPr lang="en-US" dirty="0"/>
-          </a:p>
-          <a:p>
-            <a:r>
-              <a:rPr lang="en-US" dirty="0" smtClean="0"/>
-              <a:t>This way, the bank will </a:t>
-            </a:r>
-          </a:p>
-          <a:p>
-            <a:pPr lvl="1"/>
-            <a:r>
-              <a:rPr lang="en-US" dirty="0" smtClean="0"/>
-              <a:t>Increase response by 900% (assuming bank is now doing 50% random selection and call)</a:t>
-            </a:r>
-          </a:p>
-          <a:p>
-            <a:pPr lvl="1"/>
-            <a:r>
-              <a:rPr lang="en-US" dirty="0" smtClean="0"/>
-              <a:t>A saving cost of </a:t>
-            </a:r>
-            <a:r>
-              <a:rPr lang="en-US" dirty="0"/>
-              <a:t>€ </a:t>
-            </a:r>
-            <a:r>
-              <a:rPr lang="en-US" dirty="0" smtClean="0"/>
-              <a:t>(</a:t>
-            </a:r>
-            <a:r>
-              <a:rPr lang="en-US" smtClean="0"/>
-              <a:t>assume </a:t>
-            </a:r>
-            <a:r>
-              <a:rPr lang="en-US" smtClean="0"/>
-              <a:t>€5 </a:t>
-            </a:r>
-            <a:r>
-              <a:rPr lang="en-US" dirty="0" smtClean="0"/>
-              <a:t>per phone call)</a:t>
-            </a:r>
             <a:endParaRPr lang="en-US" dirty="0"/>
           </a:p>
         </p:txBody>

--- a/Project2-v1.01.pptx
+++ b/Project2-v1.01.pptx
@@ -1157,7 +1157,7 @@
       </p:sp>
       <p:sp>
         <p:nvSpPr>
-          <p:cNvPr id="15" name="Footer Placeholder 14"/>
+          <p:cNvPr id="10" name="Footer Placeholder 9"/>
           <p:cNvSpPr>
             <a:spLocks noGrp="1"/>
           </p:cNvSpPr>
@@ -3585,7 +3585,7 @@
       </p:sp>
       <p:sp>
         <p:nvSpPr>
-          <p:cNvPr id="15" name="Footer Placeholder 14"/>
+          <p:cNvPr id="10" name="Footer Placeholder 9"/>
           <p:cNvSpPr>
             <a:spLocks noGrp="1"/>
           </p:cNvSpPr>
@@ -4228,13 +4228,8 @@
           <a:p>
             <a:r>
               <a:rPr lang="en-US" dirty="0" smtClean="0"/>
-              <a:t>Ensemble </a:t>
-            </a:r>
-            <a:r>
-              <a:rPr lang="en-US" dirty="0" smtClean="0"/>
-              <a:t>models</a:t>
-            </a:r>
-            <a:endParaRPr lang="en-US" dirty="0" smtClean="0"/>
+              <a:t>Ensemble models</a:t>
+            </a:r>
           </a:p>
           <a:p>
             <a:endParaRPr lang="en-US" dirty="0">
@@ -4289,13 +4284,7 @@
               <a:rPr lang="en-US" dirty="0" smtClean="0">
                 <a:sym typeface="Wingdings"/>
               </a:rPr>
-              <a:t>better performance than single </a:t>
-            </a:r>
-            <a:r>
-              <a:rPr lang="en-US" dirty="0" smtClean="0">
-                <a:sym typeface="Wingdings"/>
-              </a:rPr>
-              <a:t>model</a:t>
+              <a:t>better performance than single model</a:t>
             </a:r>
           </a:p>
           <a:p>
@@ -5259,7 +5248,15 @@
                   <a:srgbClr val="00B050"/>
                 </a:solidFill>
               </a:rPr>
-              <a:t>€1.6 MM</a:t>
+              <a:t>€1.6 </a:t>
+            </a:r>
+            <a:r>
+              <a:rPr lang="en-US" sz="4000" b="1" dirty="0" smtClean="0">
+                <a:solidFill>
+                  <a:srgbClr val="00B050"/>
+                </a:solidFill>
+              </a:rPr>
+              <a:t>MM</a:t>
             </a:r>
             <a:endParaRPr lang="en-US" sz="4000" b="1" dirty="0">
               <a:solidFill>
@@ -5482,14 +5479,30 @@
             <a:pPr lvl="1"/>
             <a:r>
               <a:rPr lang="en-US" dirty="0" smtClean="0"/>
-              <a:t>Cut cost by &gt; 90%</a:t>
+              <a:t>Cut cost </a:t>
+            </a:r>
+            <a:r>
+              <a:rPr lang="en-US" dirty="0" smtClean="0"/>
+              <a:t>by &gt; </a:t>
+            </a:r>
+            <a:r>
+              <a:rPr lang="en-US" dirty="0" smtClean="0"/>
+              <a:t>90%</a:t>
             </a:r>
           </a:p>
           <a:p>
             <a:pPr lvl="1"/>
             <a:r>
               <a:rPr lang="en-US" dirty="0" smtClean="0"/>
-              <a:t>Revenue drop by &lt; 10%</a:t>
+              <a:t>Revenue drop </a:t>
+            </a:r>
+            <a:r>
+              <a:rPr lang="en-US" dirty="0" smtClean="0"/>
+              <a:t>by &lt; </a:t>
+            </a:r>
+            <a:r>
+              <a:rPr lang="en-US" dirty="0" smtClean="0"/>
+              <a:t>10%</a:t>
             </a:r>
             <a:endParaRPr lang="en-US" dirty="0"/>
           </a:p>
@@ -5501,7 +5514,11 @@
             </a:r>
             <a:r>
               <a:rPr lang="en-US" dirty="0" smtClean="0"/>
-              <a:t>€13.5 MM </a:t>
+              <a:t>€7 </a:t>
+            </a:r>
+            <a:r>
+              <a:rPr lang="en-US" dirty="0" smtClean="0"/>
+              <a:t>MM </a:t>
             </a:r>
             <a:r>
               <a:rPr lang="en-US" dirty="0"/>
@@ -5519,7 +5536,6 @@
               <a:rPr lang="en-US" dirty="0" smtClean="0"/>
               <a:t>)</a:t>
             </a:r>
-            <a:endParaRPr lang="en-US" dirty="0" smtClean="0"/>
           </a:p>
           <a:p>
             <a:endParaRPr lang="en-US" dirty="0"/>
@@ -5527,17 +5543,8 @@
           <a:p>
             <a:r>
               <a:rPr lang="en-US" dirty="0" smtClean="0"/>
-              <a:t>We </a:t>
-            </a:r>
-            <a:r>
-              <a:rPr lang="en-US" dirty="0" smtClean="0"/>
-              <a:t>would recommend the bank to do</a:t>
-            </a:r>
-            <a:r>
-              <a:rPr lang="en-US" dirty="0" smtClean="0"/>
-              <a:t>:</a:t>
-            </a:r>
-            <a:endParaRPr lang="en-US" dirty="0" smtClean="0"/>
+              <a:t>We would recommend the bank to do:</a:t>
+            </a:r>
           </a:p>
           <a:p>
             <a:pPr lvl="1"/>
